--- a/ppt/课程.pptx
+++ b/ppt/课程.pptx
@@ -10,6 +10,7 @@
     <p:sldId id="258" r:id="rId4"/>
     <p:sldId id="260" r:id="rId5"/>
     <p:sldId id="259" r:id="rId6"/>
+    <p:sldId id="261" r:id="rId7"/>
   </p:sldIdLst>
   <p:sldSz cx="12192000" cy="6858000"/>
   <p:notesSz cx="6858000" cy="9144000"/>
@@ -263,7 +264,7 @@
           <a:p>
             <a:fld id="{7D097C34-937D-41A7-B0DF-936C64D6C9D2}" type="datetimeFigureOut">
               <a:rPr lang="zh-CN" altLang="en-US" smtClean="0"/>
-              <a:t>2024/9/3</a:t>
+              <a:t>2024/10/7</a:t>
             </a:fld>
             <a:endParaRPr lang="zh-CN" altLang="en-US"/>
           </a:p>
@@ -461,7 +462,7 @@
           <a:p>
             <a:fld id="{7D097C34-937D-41A7-B0DF-936C64D6C9D2}" type="datetimeFigureOut">
               <a:rPr lang="zh-CN" altLang="en-US" smtClean="0"/>
-              <a:t>2024/9/3</a:t>
+              <a:t>2024/10/7</a:t>
             </a:fld>
             <a:endParaRPr lang="zh-CN" altLang="en-US"/>
           </a:p>
@@ -669,7 +670,7 @@
           <a:p>
             <a:fld id="{7D097C34-937D-41A7-B0DF-936C64D6C9D2}" type="datetimeFigureOut">
               <a:rPr lang="zh-CN" altLang="en-US" smtClean="0"/>
-              <a:t>2024/9/3</a:t>
+              <a:t>2024/10/7</a:t>
             </a:fld>
             <a:endParaRPr lang="zh-CN" altLang="en-US"/>
           </a:p>
@@ -867,7 +868,7 @@
           <a:p>
             <a:fld id="{7D097C34-937D-41A7-B0DF-936C64D6C9D2}" type="datetimeFigureOut">
               <a:rPr lang="zh-CN" altLang="en-US" smtClean="0"/>
-              <a:t>2024/9/3</a:t>
+              <a:t>2024/10/7</a:t>
             </a:fld>
             <a:endParaRPr lang="zh-CN" altLang="en-US"/>
           </a:p>
@@ -1142,7 +1143,7 @@
           <a:p>
             <a:fld id="{7D097C34-937D-41A7-B0DF-936C64D6C9D2}" type="datetimeFigureOut">
               <a:rPr lang="zh-CN" altLang="en-US" smtClean="0"/>
-              <a:t>2024/9/3</a:t>
+              <a:t>2024/10/7</a:t>
             </a:fld>
             <a:endParaRPr lang="zh-CN" altLang="en-US"/>
           </a:p>
@@ -1407,7 +1408,7 @@
           <a:p>
             <a:fld id="{7D097C34-937D-41A7-B0DF-936C64D6C9D2}" type="datetimeFigureOut">
               <a:rPr lang="zh-CN" altLang="en-US" smtClean="0"/>
-              <a:t>2024/9/3</a:t>
+              <a:t>2024/10/7</a:t>
             </a:fld>
             <a:endParaRPr lang="zh-CN" altLang="en-US"/>
           </a:p>
@@ -1819,7 +1820,7 @@
           <a:p>
             <a:fld id="{7D097C34-937D-41A7-B0DF-936C64D6C9D2}" type="datetimeFigureOut">
               <a:rPr lang="zh-CN" altLang="en-US" smtClean="0"/>
-              <a:t>2024/9/3</a:t>
+              <a:t>2024/10/7</a:t>
             </a:fld>
             <a:endParaRPr lang="zh-CN" altLang="en-US"/>
           </a:p>
@@ -1960,7 +1961,7 @@
           <a:p>
             <a:fld id="{7D097C34-937D-41A7-B0DF-936C64D6C9D2}" type="datetimeFigureOut">
               <a:rPr lang="zh-CN" altLang="en-US" smtClean="0"/>
-              <a:t>2024/9/3</a:t>
+              <a:t>2024/10/7</a:t>
             </a:fld>
             <a:endParaRPr lang="zh-CN" altLang="en-US"/>
           </a:p>
@@ -2073,7 +2074,7 @@
           <a:p>
             <a:fld id="{7D097C34-937D-41A7-B0DF-936C64D6C9D2}" type="datetimeFigureOut">
               <a:rPr lang="zh-CN" altLang="en-US" smtClean="0"/>
-              <a:t>2024/9/3</a:t>
+              <a:t>2024/10/7</a:t>
             </a:fld>
             <a:endParaRPr lang="zh-CN" altLang="en-US"/>
           </a:p>
@@ -2384,7 +2385,7 @@
           <a:p>
             <a:fld id="{7D097C34-937D-41A7-B0DF-936C64D6C9D2}" type="datetimeFigureOut">
               <a:rPr lang="zh-CN" altLang="en-US" smtClean="0"/>
-              <a:t>2024/9/3</a:t>
+              <a:t>2024/10/7</a:t>
             </a:fld>
             <a:endParaRPr lang="zh-CN" altLang="en-US"/>
           </a:p>
@@ -2672,7 +2673,7 @@
           <a:p>
             <a:fld id="{7D097C34-937D-41A7-B0DF-936C64D6C9D2}" type="datetimeFigureOut">
               <a:rPr lang="zh-CN" altLang="en-US" smtClean="0"/>
-              <a:t>2024/9/3</a:t>
+              <a:t>2024/10/7</a:t>
             </a:fld>
             <a:endParaRPr lang="zh-CN" altLang="en-US"/>
           </a:p>
@@ -2913,7 +2914,7 @@
           <a:p>
             <a:fld id="{7D097C34-937D-41A7-B0DF-936C64D6C9D2}" type="datetimeFigureOut">
               <a:rPr lang="zh-CN" altLang="en-US" smtClean="0"/>
-              <a:t>2024/9/3</a:t>
+              <a:t>2024/10/7</a:t>
             </a:fld>
             <a:endParaRPr lang="zh-CN" altLang="en-US"/>
           </a:p>
@@ -3344,8 +3345,8 @@
         </p:nvSpPr>
         <p:spPr>
           <a:xfrm>
-            <a:off x="6705600" y="1690255"/>
-            <a:ext cx="5652655" cy="923330"/>
+            <a:off x="1142198" y="5255337"/>
+            <a:ext cx="5652655" cy="769441"/>
           </a:xfrm>
           <a:prstGeom prst="rect">
             <a:avLst/>
@@ -3359,8 +3360,8 @@
           <a:lstStyle/>
           <a:p>
             <a:r>
-              <a:rPr lang="zh-CN" altLang="en-US" sz="5400" dirty="0"/>
-              <a:t>人工智能导论</a:t>
+              <a:rPr lang="zh-CN" altLang="en-US" sz="4400" dirty="0"/>
+              <a:t>深度学习原理与应用</a:t>
             </a:r>
           </a:p>
         </p:txBody>
@@ -3405,7 +3406,7 @@
             <a:fld id="{0B0F93B1-B378-4EB9-BDCF-DD9F71486CC2}" type="datetime1">
               <a:rPr lang="zh-CN" altLang="zh-CN"/>
               <a:pPr algn="ctr"/>
-              <a:t>2024/9/3</a:t>
+              <a:t>2024/10/7</a:t>
             </a:fld>
             <a:endParaRPr lang="en-US" altLang="zh-CN" dirty="0"/>
           </a:p>
@@ -3421,19 +3422,19 @@
       </p:sp>
       <p:pic>
         <p:nvPicPr>
-          <p:cNvPr id="4" name="圖片 4" descr="一張含有 室內, 人員, 服裝, 椅子 的圖片&#10;&#10;自動產生的描述">
-            <a:extLst>
-              <a:ext uri="{FF2B5EF4-FFF2-40B4-BE49-F238E27FC236}">
-                <a16:creationId xmlns:a16="http://schemas.microsoft.com/office/drawing/2014/main" id="{54471D2F-1C80-2D8E-39FD-1030682C3B0A}"/>
+          <p:cNvPr id="1026" name="Picture 2" descr="盘点AI 大模型（上）：2023 年AI 大模型大事记| AI新智界">
+            <a:extLst>
+              <a:ext uri="{FF2B5EF4-FFF2-40B4-BE49-F238E27FC236}">
+                <a16:creationId xmlns:a16="http://schemas.microsoft.com/office/drawing/2014/main" id="{8FBA7F99-3A80-8685-EE76-E96775CA02D6}"/>
               </a:ext>
             </a:extLst>
           </p:cNvPr>
           <p:cNvPicPr>
-            <a:picLocks noChangeAspect="1"/>
+            <a:picLocks noChangeAspect="1" noChangeArrowheads="1"/>
           </p:cNvPicPr>
           <p:nvPr/>
         </p:nvPicPr>
-        <p:blipFill rotWithShape="1">
+        <p:blipFill>
           <a:blip r:embed="rId2">
             <a:extLst>
               <a:ext uri="{28A0092B-C50C-407E-A947-70E740481C1C}">
@@ -3441,17 +3442,29 @@
               </a:ext>
             </a:extLst>
           </a:blip>
-          <a:srcRect t="1268"/>
-          <a:stretch/>
+          <a:srcRect/>
+          <a:stretch>
+            <a:fillRect/>
+          </a:stretch>
         </p:blipFill>
-        <p:spPr>
+        <p:spPr bwMode="auto">
           <a:xfrm>
-            <a:off x="648529" y="629783"/>
-            <a:ext cx="5536001" cy="5465791"/>
+            <a:off x="533150" y="593633"/>
+            <a:ext cx="7475069" cy="4200039"/>
           </a:xfrm>
           <a:prstGeom prst="rect">
             <a:avLst/>
           </a:prstGeom>
+          <a:noFill/>
+          <a:extLst>
+            <a:ext uri="{909E8E84-426E-40DD-AFC4-6F175D3DCCD1}">
+              <a14:hiddenFill xmlns:a14="http://schemas.microsoft.com/office/drawing/2010/main">
+                <a:solidFill>
+                  <a:srgbClr val="FFFFFF"/>
+                </a:solidFill>
+              </a14:hiddenFill>
+            </a:ext>
+          </a:extLst>
         </p:spPr>
       </p:pic>
     </p:spTree>
@@ -3519,12 +3532,52 @@
           </a:p>
         </p:txBody>
       </p:sp>
+      <p:sp>
+        <p:nvSpPr>
+          <p:cNvPr id="6" name="文本框 5">
+            <a:extLst>
+              <a:ext uri="{FF2B5EF4-FFF2-40B4-BE49-F238E27FC236}">
+                <a16:creationId xmlns:a16="http://schemas.microsoft.com/office/drawing/2014/main" id="{F912C589-AEC6-71D9-1337-4B020418DCDB}"/>
+              </a:ext>
+            </a:extLst>
+          </p:cNvPr>
+          <p:cNvSpPr txBox="1"/>
+          <p:nvPr/>
+        </p:nvSpPr>
+        <p:spPr>
+          <a:xfrm>
+            <a:off x="3362036" y="5112388"/>
+            <a:ext cx="6096000" cy="369332"/>
+          </a:xfrm>
+          <a:prstGeom prst="rect">
+            <a:avLst/>
+          </a:prstGeom>
+          <a:noFill/>
+        </p:spPr>
+        <p:txBody>
+          <a:bodyPr wrap="square">
+            <a:spAutoFit/>
+          </a:bodyPr>
+          <a:lstStyle/>
+          <a:p>
+            <a:r>
+              <a:rPr lang="en-US" altLang="zh-CN" b="0" i="0" dirty="0">
+                <a:effectLst/>
+                <a:latin typeface="Microsoft YaHei" panose="020B0503020204020204" pitchFamily="34" charset="-122"/>
+                <a:ea typeface="Microsoft YaHei" panose="020B0503020204020204" pitchFamily="34" charset="-122"/>
+              </a:rPr>
+              <a:t>https://tdr1991.github.io/DeepLearning/</a:t>
+            </a:r>
+            <a:endParaRPr lang="zh-CN" altLang="en-US" dirty="0"/>
+          </a:p>
+        </p:txBody>
+      </p:sp>
       <p:pic>
         <p:nvPicPr>
-          <p:cNvPr id="4" name="图片 3">
-            <a:extLst>
-              <a:ext uri="{FF2B5EF4-FFF2-40B4-BE49-F238E27FC236}">
-                <a16:creationId xmlns:a16="http://schemas.microsoft.com/office/drawing/2014/main" id="{FA07CBDF-048A-B78D-71BF-6C6FEADB926F}"/>
+          <p:cNvPr id="8" name="图片 7">
+            <a:extLst>
+              <a:ext uri="{FF2B5EF4-FFF2-40B4-BE49-F238E27FC236}">
+                <a16:creationId xmlns:a16="http://schemas.microsoft.com/office/drawing/2014/main" id="{EA4A9DD8-DA88-8935-1865-4298FFDE5DC1}"/>
               </a:ext>
             </a:extLst>
           </p:cNvPr>
@@ -3541,55 +3594,14 @@
         </p:blipFill>
         <p:spPr>
           <a:xfrm>
-            <a:off x="720437" y="1893579"/>
-            <a:ext cx="10828571" cy="1980952"/>
+            <a:off x="883067" y="2173454"/>
+            <a:ext cx="10810875" cy="1933575"/>
           </a:xfrm>
           <a:prstGeom prst="rect">
             <a:avLst/>
           </a:prstGeom>
         </p:spPr>
       </p:pic>
-      <p:sp>
-        <p:nvSpPr>
-          <p:cNvPr id="6" name="文本框 5">
-            <a:extLst>
-              <a:ext uri="{FF2B5EF4-FFF2-40B4-BE49-F238E27FC236}">
-                <a16:creationId xmlns:a16="http://schemas.microsoft.com/office/drawing/2014/main" id="{F912C589-AEC6-71D9-1337-4B020418DCDB}"/>
-              </a:ext>
-            </a:extLst>
-          </p:cNvPr>
-          <p:cNvSpPr txBox="1"/>
-          <p:nvPr/>
-        </p:nvSpPr>
-        <p:spPr>
-          <a:xfrm>
-            <a:off x="3362036" y="5112388"/>
-            <a:ext cx="6096000" cy="369332"/>
-          </a:xfrm>
-          <a:prstGeom prst="rect">
-            <a:avLst/>
-          </a:prstGeom>
-          <a:noFill/>
-        </p:spPr>
-        <p:txBody>
-          <a:bodyPr wrap="square">
-            <a:spAutoFit/>
-          </a:bodyPr>
-          <a:lstStyle/>
-          <a:p>
-            <a:r>
-              <a:rPr lang="en-US" altLang="zh-CN" b="0" i="0" dirty="0">
-                <a:effectLst/>
-                <a:latin typeface="Microsoft YaHei" panose="020B0503020204020204" pitchFamily="34" charset="-122"/>
-                <a:ea typeface="Microsoft YaHei" panose="020B0503020204020204" pitchFamily="34" charset="-122"/>
-                <a:hlinkClick r:id="rId3"/>
-              </a:rPr>
-              <a:t>https://tdr1991.github.io/genai</a:t>
-            </a:r>
-            <a:endParaRPr lang="zh-CN" altLang="en-US" dirty="0"/>
-          </a:p>
-        </p:txBody>
-      </p:sp>
     </p:spTree>
     <p:extLst>
       <p:ext uri="{BB962C8B-B14F-4D97-AF65-F5344CB8AC3E}">
@@ -3622,10 +3634,10 @@
       </p:grpSpPr>
       <p:pic>
         <p:nvPicPr>
-          <p:cNvPr id="3" name="图片 2">
-            <a:extLst>
-              <a:ext uri="{FF2B5EF4-FFF2-40B4-BE49-F238E27FC236}">
-                <a16:creationId xmlns:a16="http://schemas.microsoft.com/office/drawing/2014/main" id="{725EAC96-AD24-1B3A-BE44-410C84A37C20}"/>
+          <p:cNvPr id="4" name="图片 3">
+            <a:extLst>
+              <a:ext uri="{FF2B5EF4-FFF2-40B4-BE49-F238E27FC236}">
+                <a16:creationId xmlns:a16="http://schemas.microsoft.com/office/drawing/2014/main" id="{D2FF8A60-D5CA-A1EC-4D62-590933591BB6}"/>
               </a:ext>
             </a:extLst>
           </p:cNvPr>
@@ -3642,8 +3654,8 @@
         </p:blipFill>
         <p:spPr>
           <a:xfrm>
-            <a:off x="948467" y="840747"/>
-            <a:ext cx="9371428" cy="3809524"/>
+            <a:off x="1080285" y="1444993"/>
+            <a:ext cx="9877425" cy="3429000"/>
           </a:xfrm>
           <a:prstGeom prst="rect">
             <a:avLst/>
@@ -3682,10 +3694,10 @@
       </p:grpSpPr>
       <p:pic>
         <p:nvPicPr>
-          <p:cNvPr id="3" name="图片 2">
-            <a:extLst>
-              <a:ext uri="{FF2B5EF4-FFF2-40B4-BE49-F238E27FC236}">
-                <a16:creationId xmlns:a16="http://schemas.microsoft.com/office/drawing/2014/main" id="{07A18811-7F9A-BCDD-59A8-BE14076DC28F}"/>
+          <p:cNvPr id="4" name="图片 3">
+            <a:extLst>
+              <a:ext uri="{FF2B5EF4-FFF2-40B4-BE49-F238E27FC236}">
+                <a16:creationId xmlns:a16="http://schemas.microsoft.com/office/drawing/2014/main" id="{14BD5F41-A043-40F0-8756-62256DC6002F}"/>
               </a:ext>
             </a:extLst>
           </p:cNvPr>
@@ -3702,8 +3714,8 @@
         </p:blipFill>
         <p:spPr>
           <a:xfrm>
-            <a:off x="3408934" y="333762"/>
-            <a:ext cx="4542857" cy="6190476"/>
+            <a:off x="1964055" y="1100137"/>
+            <a:ext cx="8629650" cy="4657725"/>
           </a:xfrm>
           <a:prstGeom prst="rect">
             <a:avLst/>
@@ -3742,10 +3754,10 @@
       </p:grpSpPr>
       <p:pic>
         <p:nvPicPr>
-          <p:cNvPr id="6" name="图片 5">
-            <a:extLst>
-              <a:ext uri="{FF2B5EF4-FFF2-40B4-BE49-F238E27FC236}">
-                <a16:creationId xmlns:a16="http://schemas.microsoft.com/office/drawing/2014/main" id="{E18DD50C-100C-9203-FBCA-3A5C004B97D3}"/>
+          <p:cNvPr id="3" name="图片 2">
+            <a:extLst>
+              <a:ext uri="{FF2B5EF4-FFF2-40B4-BE49-F238E27FC236}">
+                <a16:creationId xmlns:a16="http://schemas.microsoft.com/office/drawing/2014/main" id="{16250845-ACE2-BEED-4BCE-B1B5B272EA1D}"/>
               </a:ext>
             </a:extLst>
           </p:cNvPr>
@@ -3762,8 +3774,8 @@
         </p:blipFill>
         <p:spPr>
           <a:xfrm>
-            <a:off x="1638300" y="981075"/>
-            <a:ext cx="8915400" cy="4895850"/>
+            <a:off x="1581150" y="627647"/>
+            <a:ext cx="9029700" cy="5410200"/>
           </a:xfrm>
           <a:prstGeom prst="rect">
             <a:avLst/>
@@ -3774,6 +3786,71 @@
     <p:extLst>
       <p:ext uri="{BB962C8B-B14F-4D97-AF65-F5344CB8AC3E}">
         <p14:creationId xmlns:p14="http://schemas.microsoft.com/office/powerpoint/2010/main" val="3138419874"/>
+      </p:ext>
+    </p:extLst>
+  </p:cSld>
+  <p:clrMapOvr>
+    <a:masterClrMapping/>
+  </p:clrMapOvr>
+</p:sld>
+</file>
+
+<file path=ppt/slides/slide6.xml><?xml version="1.0" encoding="utf-8"?>
+<p:sld xmlns:a="http://schemas.openxmlformats.org/drawingml/2006/main" xmlns:r="http://schemas.openxmlformats.org/officeDocument/2006/relationships" xmlns:p="http://schemas.openxmlformats.org/presentationml/2006/main">
+  <p:cSld>
+    <p:spTree>
+      <p:nvGrpSpPr>
+        <p:cNvPr id="1" name=""/>
+        <p:cNvGrpSpPr/>
+        <p:nvPr/>
+      </p:nvGrpSpPr>
+      <p:grpSpPr>
+        <a:xfrm>
+          <a:off x="0" y="0"/>
+          <a:ext cx="0" cy="0"/>
+          <a:chOff x="0" y="0"/>
+          <a:chExt cx="0" cy="0"/>
+        </a:xfrm>
+      </p:grpSpPr>
+      <p:sp>
+        <p:nvSpPr>
+          <p:cNvPr id="2" name="文本框 1">
+            <a:extLst>
+              <a:ext uri="{FF2B5EF4-FFF2-40B4-BE49-F238E27FC236}">
+                <a16:creationId xmlns:a16="http://schemas.microsoft.com/office/drawing/2014/main" id="{41247748-87A6-B09A-0F63-89CB901DEFCC}"/>
+              </a:ext>
+            </a:extLst>
+          </p:cNvPr>
+          <p:cNvSpPr txBox="1"/>
+          <p:nvPr/>
+        </p:nvSpPr>
+        <p:spPr>
+          <a:xfrm>
+            <a:off x="826315" y="493075"/>
+            <a:ext cx="3380509" cy="584775"/>
+          </a:xfrm>
+          <a:prstGeom prst="rect">
+            <a:avLst/>
+          </a:prstGeom>
+          <a:noFill/>
+        </p:spPr>
+        <p:txBody>
+          <a:bodyPr wrap="square" rtlCol="0">
+            <a:spAutoFit/>
+          </a:bodyPr>
+          <a:lstStyle/>
+          <a:p>
+            <a:r>
+              <a:rPr lang="zh-CN" altLang="en-US" sz="3200" dirty="0"/>
+              <a:t>课堂纪律</a:t>
+            </a:r>
+          </a:p>
+        </p:txBody>
+      </p:sp>
+    </p:spTree>
+    <p:extLst>
+      <p:ext uri="{BB962C8B-B14F-4D97-AF65-F5344CB8AC3E}">
+        <p14:creationId xmlns:p14="http://schemas.microsoft.com/office/powerpoint/2010/main" val="1592266693"/>
       </p:ext>
     </p:extLst>
   </p:cSld>
